--- a/GPS vergelijking.pptx
+++ b/GPS vergelijking.pptx
@@ -10,8 +10,8 @@
     <p:sldId id="259" r:id="rId4"/>
     <p:sldId id="260" r:id="rId5"/>
     <p:sldId id="261" r:id="rId6"/>
-    <p:sldId id="262" r:id="rId7"/>
-    <p:sldId id="263" r:id="rId8"/>
+    <p:sldId id="267" r:id="rId7"/>
+    <p:sldId id="268" r:id="rId8"/>
     <p:sldId id="264" r:id="rId9"/>
     <p:sldId id="265" r:id="rId10"/>
     <p:sldId id="266" r:id="rId11"/>
@@ -123,14 +123,17 @@
             <p14:sldId id="259"/>
             <p14:sldId id="260"/>
             <p14:sldId id="261"/>
-            <p14:sldId id="262"/>
-            <p14:sldId id="263"/>
+            <p14:sldId id="267"/>
+            <p14:sldId id="268"/>
             <p14:sldId id="264"/>
             <p14:sldId id="265"/>
             <p14:sldId id="266"/>
           </p14:sldIdLst>
         </p14:section>
       </p14:sectionLst>
+    </p:ext>
+    <p:ext uri="{EFAFB233-063F-42B5-8137-9DF3F51BA10A}">
+      <p15:sldGuideLst xmlns:p15="http://schemas.microsoft.com/office/powerpoint/2012/main"/>
     </p:ext>
   </p:extLst>
 </p:presentation>
@@ -6507,6 +6510,41 @@
           <a:chExt cx="0" cy="0"/>
         </a:xfrm>
       </p:grpSpPr>
+      <p:pic>
+        <p:nvPicPr>
+          <p:cNvPr id="17" name="Picture 16">
+            <a:extLst>
+              <a:ext uri="{FF2B5EF4-FFF2-40B4-BE49-F238E27FC236}">
+                <a16:creationId xmlns:a16="http://schemas.microsoft.com/office/drawing/2014/main" id="{D4562607-0CCB-4309-980B-604165D9214A}"/>
+              </a:ext>
+            </a:extLst>
+          </p:cNvPr>
+          <p:cNvPicPr>
+            <a:picLocks noChangeAspect="1"/>
+          </p:cNvPicPr>
+          <p:nvPr/>
+        </p:nvPicPr>
+        <p:blipFill>
+          <a:blip r:embed="rId2">
+            <a:extLst>
+              <a:ext uri="{28A0092B-C50C-407E-A947-70E740481C1C}">
+                <a14:useLocalDpi xmlns:a14="http://schemas.microsoft.com/office/drawing/2010/main" val="0"/>
+              </a:ext>
+            </a:extLst>
+          </a:blip>
+          <a:srcRect/>
+          <a:stretch/>
+        </p:blipFill>
+        <p:spPr>
+          <a:xfrm>
+            <a:off x="8035605" y="1944056"/>
+            <a:ext cx="1982029" cy="4184285"/>
+          </a:xfrm>
+          <a:prstGeom prst="rect">
+            <a:avLst/>
+          </a:prstGeom>
+        </p:spPr>
+      </p:pic>
       <p:sp>
         <p:nvSpPr>
           <p:cNvPr id="2" name="Title 1">
@@ -6552,24 +6590,249 @@
       </p:sp>
       <p:sp>
         <p:nvSpPr>
-          <p:cNvPr id="3" name="Text Placeholder 2">
+          <p:cNvPr id="12" name="Text Placeholder 2">
             <a:extLst>
               <a:ext uri="{FF2B5EF4-FFF2-40B4-BE49-F238E27FC236}">
-                <a16:creationId xmlns:a16="http://schemas.microsoft.com/office/drawing/2014/main" id="{13F42D1A-160A-4901-8A17-FFFBFCC4AE6C}"/>
+                <a16:creationId xmlns:a16="http://schemas.microsoft.com/office/drawing/2014/main" id="{B001BD23-58BF-4549-B96C-808DF02B7E3A}"/>
               </a:ext>
             </a:extLst>
           </p:cNvPr>
-          <p:cNvSpPr>
-            <a:spLocks noGrp="1"/>
-          </p:cNvSpPr>
-          <p:nvPr>
-            <p:ph type="body" idx="1"/>
-          </p:nvPr>
-        </p:nvSpPr>
-        <p:spPr/>
+          <p:cNvSpPr txBox="1">
+            <a:spLocks/>
+          </p:cNvSpPr>
+          <p:nvPr/>
+        </p:nvSpPr>
+        <p:spPr>
+          <a:xfrm>
+            <a:off x="581191" y="2250891"/>
+            <a:ext cx="3465576" cy="557784"/>
+          </a:xfrm>
+          <a:prstGeom prst="rect">
+            <a:avLst/>
+          </a:prstGeom>
+        </p:spPr>
         <p:txBody>
-          <a:bodyPr/>
-          <a:lstStyle/>
+          <a:bodyPr vert="horz" lIns="91440" tIns="45720" rIns="91440" bIns="45720" rtlCol="0" anchor="ctr">
+            <a:noAutofit/>
+          </a:bodyPr>
+          <a:lstStyle>
+            <a:lvl1pPr marL="0" indent="0" algn="l" defTabSz="457200" rtl="0" eaLnBrk="1" latinLnBrk="0" hangingPunct="1">
+              <a:lnSpc>
+                <a:spcPct val="110000"/>
+              </a:lnSpc>
+              <a:spcBef>
+                <a:spcPct val="20000"/>
+              </a:spcBef>
+              <a:spcAft>
+                <a:spcPts val="600"/>
+              </a:spcAft>
+              <a:buClr>
+                <a:schemeClr val="accent1"/>
+              </a:buClr>
+              <a:buSzPct val="92000"/>
+              <a:buFont typeface="Wingdings 2" panose="05020102010507070707" pitchFamily="18" charset="2"/>
+              <a:buNone/>
+              <a:defRPr sz="2000" b="0" kern="1200">
+                <a:solidFill>
+                  <a:schemeClr val="tx1">
+                    <a:lumMod val="75000"/>
+                    <a:lumOff val="25000"/>
+                  </a:schemeClr>
+                </a:solidFill>
+                <a:latin typeface="+mn-lt"/>
+                <a:ea typeface="+mn-ea"/>
+                <a:cs typeface="+mn-cs"/>
+              </a:defRPr>
+            </a:lvl1pPr>
+            <a:lvl2pPr marL="457200" indent="0" algn="l" defTabSz="457200" rtl="0" eaLnBrk="1" latinLnBrk="0" hangingPunct="1">
+              <a:spcBef>
+                <a:spcPct val="20000"/>
+              </a:spcBef>
+              <a:spcAft>
+                <a:spcPts val="600"/>
+              </a:spcAft>
+              <a:buClr>
+                <a:schemeClr val="accent1"/>
+              </a:buClr>
+              <a:buSzPct val="92000"/>
+              <a:buFont typeface="Wingdings 2" panose="05020102010507070707" pitchFamily="18" charset="2"/>
+              <a:buNone/>
+              <a:defRPr sz="2000" b="1" kern="1200">
+                <a:solidFill>
+                  <a:schemeClr val="tx1">
+                    <a:lumMod val="75000"/>
+                    <a:lumOff val="25000"/>
+                  </a:schemeClr>
+                </a:solidFill>
+                <a:latin typeface="+mn-lt"/>
+                <a:ea typeface="+mn-ea"/>
+                <a:cs typeface="+mn-cs"/>
+              </a:defRPr>
+            </a:lvl2pPr>
+            <a:lvl3pPr marL="914400" indent="0" algn="l" defTabSz="457200" rtl="0" eaLnBrk="1" latinLnBrk="0" hangingPunct="1">
+              <a:spcBef>
+                <a:spcPct val="20000"/>
+              </a:spcBef>
+              <a:spcAft>
+                <a:spcPts val="600"/>
+              </a:spcAft>
+              <a:buClr>
+                <a:schemeClr val="accent1"/>
+              </a:buClr>
+              <a:buSzPct val="92000"/>
+              <a:buFont typeface="Wingdings 2" panose="05020102010507070707" pitchFamily="18" charset="2"/>
+              <a:buNone/>
+              <a:defRPr sz="1800" b="1" kern="1200">
+                <a:solidFill>
+                  <a:schemeClr val="tx1">
+                    <a:lumMod val="75000"/>
+                    <a:lumOff val="25000"/>
+                  </a:schemeClr>
+                </a:solidFill>
+                <a:latin typeface="+mn-lt"/>
+                <a:ea typeface="+mn-ea"/>
+                <a:cs typeface="+mn-cs"/>
+              </a:defRPr>
+            </a:lvl3pPr>
+            <a:lvl4pPr marL="1371600" indent="0" algn="l" defTabSz="457200" rtl="0" eaLnBrk="1" latinLnBrk="0" hangingPunct="1">
+              <a:spcBef>
+                <a:spcPct val="20000"/>
+              </a:spcBef>
+              <a:spcAft>
+                <a:spcPts val="600"/>
+              </a:spcAft>
+              <a:buClr>
+                <a:schemeClr val="accent1"/>
+              </a:buClr>
+              <a:buSzPct val="92000"/>
+              <a:buFont typeface="Wingdings 2" panose="05020102010507070707" pitchFamily="18" charset="2"/>
+              <a:buNone/>
+              <a:defRPr sz="1600" b="1" kern="1200">
+                <a:solidFill>
+                  <a:schemeClr val="tx1">
+                    <a:lumMod val="75000"/>
+                    <a:lumOff val="25000"/>
+                  </a:schemeClr>
+                </a:solidFill>
+                <a:latin typeface="+mn-lt"/>
+                <a:ea typeface="+mn-ea"/>
+                <a:cs typeface="+mn-cs"/>
+              </a:defRPr>
+            </a:lvl4pPr>
+            <a:lvl5pPr marL="1828800" indent="0" algn="l" defTabSz="457200" rtl="0" eaLnBrk="1" latinLnBrk="0" hangingPunct="1">
+              <a:spcBef>
+                <a:spcPct val="20000"/>
+              </a:spcBef>
+              <a:spcAft>
+                <a:spcPts val="600"/>
+              </a:spcAft>
+              <a:buClr>
+                <a:schemeClr val="accent1"/>
+              </a:buClr>
+              <a:buSzPct val="92000"/>
+              <a:buFont typeface="Wingdings 2" panose="05020102010507070707" pitchFamily="18" charset="2"/>
+              <a:buNone/>
+              <a:defRPr sz="1600" b="1" kern="1200">
+                <a:solidFill>
+                  <a:schemeClr val="tx1">
+                    <a:lumMod val="75000"/>
+                    <a:lumOff val="25000"/>
+                  </a:schemeClr>
+                </a:solidFill>
+                <a:latin typeface="+mn-lt"/>
+                <a:ea typeface="+mn-ea"/>
+                <a:cs typeface="+mn-cs"/>
+              </a:defRPr>
+            </a:lvl5pPr>
+            <a:lvl6pPr marL="2286000" indent="0" algn="l" defTabSz="457200" rtl="0" eaLnBrk="1" latinLnBrk="0" hangingPunct="1">
+              <a:spcBef>
+                <a:spcPct val="20000"/>
+              </a:spcBef>
+              <a:spcAft>
+                <a:spcPts val="600"/>
+              </a:spcAft>
+              <a:buClr>
+                <a:schemeClr val="accent2"/>
+              </a:buClr>
+              <a:buSzPct val="92000"/>
+              <a:buFont typeface="Wingdings 2" panose="05020102010507070707" pitchFamily="18" charset="2"/>
+              <a:buNone/>
+              <a:defRPr sz="1600" b="1" kern="1200">
+                <a:solidFill>
+                  <a:schemeClr val="tx2"/>
+                </a:solidFill>
+                <a:latin typeface="+mn-lt"/>
+                <a:ea typeface="+mn-ea"/>
+                <a:cs typeface="+mn-cs"/>
+              </a:defRPr>
+            </a:lvl6pPr>
+            <a:lvl7pPr marL="2743200" indent="0" algn="l" defTabSz="457200" rtl="0" eaLnBrk="1" latinLnBrk="0" hangingPunct="1">
+              <a:spcBef>
+                <a:spcPct val="20000"/>
+              </a:spcBef>
+              <a:spcAft>
+                <a:spcPts val="600"/>
+              </a:spcAft>
+              <a:buClr>
+                <a:schemeClr val="accent2"/>
+              </a:buClr>
+              <a:buSzPct val="92000"/>
+              <a:buFont typeface="Wingdings 2" panose="05020102010507070707" pitchFamily="18" charset="2"/>
+              <a:buNone/>
+              <a:defRPr sz="1600" b="1" kern="1200">
+                <a:solidFill>
+                  <a:schemeClr val="tx2"/>
+                </a:solidFill>
+                <a:latin typeface="+mn-lt"/>
+                <a:ea typeface="+mn-ea"/>
+                <a:cs typeface="+mn-cs"/>
+              </a:defRPr>
+            </a:lvl7pPr>
+            <a:lvl8pPr marL="3200400" indent="0" algn="l" defTabSz="457200" rtl="0" eaLnBrk="1" latinLnBrk="0" hangingPunct="1">
+              <a:spcBef>
+                <a:spcPct val="20000"/>
+              </a:spcBef>
+              <a:spcAft>
+                <a:spcPts val="600"/>
+              </a:spcAft>
+              <a:buClr>
+                <a:schemeClr val="accent2"/>
+              </a:buClr>
+              <a:buSzPct val="92000"/>
+              <a:buFont typeface="Wingdings 2" panose="05020102010507070707" pitchFamily="18" charset="2"/>
+              <a:buNone/>
+              <a:defRPr sz="1600" b="1" kern="1200">
+                <a:solidFill>
+                  <a:schemeClr val="tx2"/>
+                </a:solidFill>
+                <a:latin typeface="+mn-lt"/>
+                <a:ea typeface="+mn-ea"/>
+                <a:cs typeface="+mn-cs"/>
+              </a:defRPr>
+            </a:lvl8pPr>
+            <a:lvl9pPr marL="3657600" indent="0" algn="l" defTabSz="457200" rtl="0" eaLnBrk="1" latinLnBrk="0" hangingPunct="1">
+              <a:spcBef>
+                <a:spcPct val="20000"/>
+              </a:spcBef>
+              <a:spcAft>
+                <a:spcPts val="600"/>
+              </a:spcAft>
+              <a:buClr>
+                <a:schemeClr val="accent2"/>
+              </a:buClr>
+              <a:buSzPct val="92000"/>
+              <a:buFont typeface="Wingdings 2" panose="05020102010507070707" pitchFamily="18" charset="2"/>
+              <a:buNone/>
+              <a:defRPr sz="1600" b="1" kern="1200">
+                <a:solidFill>
+                  <a:schemeClr val="tx2"/>
+                </a:solidFill>
+                <a:latin typeface="+mn-lt"/>
+                <a:ea typeface="+mn-ea"/>
+                <a:cs typeface="+mn-cs"/>
+              </a:defRPr>
+            </a:lvl9pPr>
+          </a:lstStyle>
           <a:p>
             <a:r>
               <a:rPr lang="nl-BE" sz="2400" b="1" dirty="0">
@@ -6585,26 +6848,249 @@
       </p:sp>
       <p:sp>
         <p:nvSpPr>
-          <p:cNvPr id="4" name="Content Placeholder 3">
+          <p:cNvPr id="13" name="Content Placeholder 3">
             <a:extLst>
               <a:ext uri="{FF2B5EF4-FFF2-40B4-BE49-F238E27FC236}">
-                <a16:creationId xmlns:a16="http://schemas.microsoft.com/office/drawing/2014/main" id="{5A912DE5-734F-4763-9C3E-514051ADD2B6}"/>
+                <a16:creationId xmlns:a16="http://schemas.microsoft.com/office/drawing/2014/main" id="{B31759A6-4005-4D31-91F8-FAA426E40DCD}"/>
               </a:ext>
             </a:extLst>
           </p:cNvPr>
-          <p:cNvSpPr>
-            <a:spLocks noGrp="1"/>
-          </p:cNvSpPr>
-          <p:nvPr>
-            <p:ph sz="half" idx="2"/>
-          </p:nvPr>
-        </p:nvSpPr>
-        <p:spPr/>
+          <p:cNvSpPr txBox="1">
+            <a:spLocks/>
+          </p:cNvSpPr>
+          <p:nvPr/>
+        </p:nvSpPr>
+        <p:spPr>
+          <a:xfrm>
+            <a:off x="581194" y="2926052"/>
+            <a:ext cx="3465576" cy="2934999"/>
+          </a:xfrm>
+          <a:prstGeom prst="rect">
+            <a:avLst/>
+          </a:prstGeom>
+        </p:spPr>
         <p:txBody>
           <a:bodyPr vert="horz" lIns="91440" tIns="45720" rIns="91440" bIns="45720" rtlCol="0" anchor="t">
             <a:normAutofit/>
           </a:bodyPr>
-          <a:lstStyle/>
+          <a:lstStyle>
+            <a:lvl1pPr marL="306000" indent="-306000" algn="l" defTabSz="457200" rtl="0" eaLnBrk="1" latinLnBrk="0" hangingPunct="1">
+              <a:lnSpc>
+                <a:spcPct val="110000"/>
+              </a:lnSpc>
+              <a:spcBef>
+                <a:spcPct val="20000"/>
+              </a:spcBef>
+              <a:spcAft>
+                <a:spcPts val="600"/>
+              </a:spcAft>
+              <a:buClr>
+                <a:schemeClr val="accent1"/>
+              </a:buClr>
+              <a:buSzPct val="92000"/>
+              <a:buFont typeface="Wingdings 2" panose="05020102010507070707" pitchFamily="18" charset="2"/>
+              <a:buChar char=""/>
+              <a:defRPr sz="1700" kern="1200">
+                <a:solidFill>
+                  <a:schemeClr val="tx1">
+                    <a:lumMod val="75000"/>
+                    <a:lumOff val="25000"/>
+                  </a:schemeClr>
+                </a:solidFill>
+                <a:latin typeface="+mn-lt"/>
+                <a:ea typeface="+mn-ea"/>
+                <a:cs typeface="+mn-cs"/>
+              </a:defRPr>
+            </a:lvl1pPr>
+            <a:lvl2pPr marL="630000" indent="-306000" algn="l" defTabSz="457200" rtl="0" eaLnBrk="1" latinLnBrk="0" hangingPunct="1">
+              <a:spcBef>
+                <a:spcPct val="20000"/>
+              </a:spcBef>
+              <a:spcAft>
+                <a:spcPts val="600"/>
+              </a:spcAft>
+              <a:buClr>
+                <a:schemeClr val="accent1"/>
+              </a:buClr>
+              <a:buSzPct val="92000"/>
+              <a:buFont typeface="Wingdings 2" panose="05020102010507070707" pitchFamily="18" charset="2"/>
+              <a:buChar char=""/>
+              <a:defRPr sz="1400" kern="1200">
+                <a:solidFill>
+                  <a:schemeClr val="tx1">
+                    <a:lumMod val="75000"/>
+                    <a:lumOff val="25000"/>
+                  </a:schemeClr>
+                </a:solidFill>
+                <a:latin typeface="+mn-lt"/>
+                <a:ea typeface="+mn-ea"/>
+                <a:cs typeface="+mn-cs"/>
+              </a:defRPr>
+            </a:lvl2pPr>
+            <a:lvl3pPr marL="900000" indent="-270000" algn="l" defTabSz="457200" rtl="0" eaLnBrk="1" latinLnBrk="0" hangingPunct="1">
+              <a:spcBef>
+                <a:spcPct val="20000"/>
+              </a:spcBef>
+              <a:spcAft>
+                <a:spcPts val="600"/>
+              </a:spcAft>
+              <a:buClr>
+                <a:schemeClr val="accent1"/>
+              </a:buClr>
+              <a:buSzPct val="92000"/>
+              <a:buFont typeface="Wingdings 2" panose="05020102010507070707" pitchFamily="18" charset="2"/>
+              <a:buChar char=""/>
+              <a:defRPr sz="1300" kern="1200">
+                <a:solidFill>
+                  <a:schemeClr val="tx1">
+                    <a:lumMod val="75000"/>
+                    <a:lumOff val="25000"/>
+                  </a:schemeClr>
+                </a:solidFill>
+                <a:latin typeface="+mn-lt"/>
+                <a:ea typeface="+mn-ea"/>
+                <a:cs typeface="+mn-cs"/>
+              </a:defRPr>
+            </a:lvl3pPr>
+            <a:lvl4pPr marL="1242000" indent="-234000" algn="l" defTabSz="457200" rtl="0" eaLnBrk="1" latinLnBrk="0" hangingPunct="1">
+              <a:spcBef>
+                <a:spcPct val="20000"/>
+              </a:spcBef>
+              <a:spcAft>
+                <a:spcPts val="600"/>
+              </a:spcAft>
+              <a:buClr>
+                <a:schemeClr val="accent1"/>
+              </a:buClr>
+              <a:buSzPct val="92000"/>
+              <a:buFont typeface="Wingdings 2" panose="05020102010507070707" pitchFamily="18" charset="2"/>
+              <a:buChar char=""/>
+              <a:defRPr sz="1100" kern="1200">
+                <a:solidFill>
+                  <a:schemeClr val="tx1">
+                    <a:lumMod val="75000"/>
+                    <a:lumOff val="25000"/>
+                  </a:schemeClr>
+                </a:solidFill>
+                <a:latin typeface="+mn-lt"/>
+                <a:ea typeface="+mn-ea"/>
+                <a:cs typeface="+mn-cs"/>
+              </a:defRPr>
+            </a:lvl4pPr>
+            <a:lvl5pPr marL="1602000" indent="-234000" algn="l" defTabSz="457200" rtl="0" eaLnBrk="1" latinLnBrk="0" hangingPunct="1">
+              <a:spcBef>
+                <a:spcPct val="20000"/>
+              </a:spcBef>
+              <a:spcAft>
+                <a:spcPts val="600"/>
+              </a:spcAft>
+              <a:buClr>
+                <a:schemeClr val="accent1"/>
+              </a:buClr>
+              <a:buSzPct val="92000"/>
+              <a:buFont typeface="Wingdings 2" panose="05020102010507070707" pitchFamily="18" charset="2"/>
+              <a:buChar char=""/>
+              <a:defRPr sz="1100" kern="1200">
+                <a:solidFill>
+                  <a:schemeClr val="tx1">
+                    <a:lumMod val="75000"/>
+                    <a:lumOff val="25000"/>
+                  </a:schemeClr>
+                </a:solidFill>
+                <a:latin typeface="+mn-lt"/>
+                <a:ea typeface="+mn-ea"/>
+                <a:cs typeface="+mn-cs"/>
+              </a:defRPr>
+            </a:lvl5pPr>
+            <a:lvl6pPr marL="1900000" indent="-228600" algn="l" defTabSz="457200" rtl="0" eaLnBrk="1" latinLnBrk="0" hangingPunct="1">
+              <a:spcBef>
+                <a:spcPct val="20000"/>
+              </a:spcBef>
+              <a:spcAft>
+                <a:spcPts val="600"/>
+              </a:spcAft>
+              <a:buClr>
+                <a:schemeClr val="accent2"/>
+              </a:buClr>
+              <a:buSzPct val="92000"/>
+              <a:buFont typeface="Wingdings 2" panose="05020102010507070707" pitchFamily="18" charset="2"/>
+              <a:buChar char=""/>
+              <a:defRPr sz="1200" kern="1200">
+                <a:solidFill>
+                  <a:schemeClr val="tx2"/>
+                </a:solidFill>
+                <a:latin typeface="+mn-lt"/>
+                <a:ea typeface="+mn-ea"/>
+                <a:cs typeface="+mn-cs"/>
+              </a:defRPr>
+            </a:lvl6pPr>
+            <a:lvl7pPr marL="2200000" indent="-228600" algn="l" defTabSz="457200" rtl="0" eaLnBrk="1" latinLnBrk="0" hangingPunct="1">
+              <a:spcBef>
+                <a:spcPct val="20000"/>
+              </a:spcBef>
+              <a:spcAft>
+                <a:spcPts val="600"/>
+              </a:spcAft>
+              <a:buClr>
+                <a:schemeClr val="accent2"/>
+              </a:buClr>
+              <a:buSzPct val="92000"/>
+              <a:buFont typeface="Wingdings 2" panose="05020102010507070707" pitchFamily="18" charset="2"/>
+              <a:buChar char=""/>
+              <a:defRPr sz="1200" kern="1200">
+                <a:solidFill>
+                  <a:schemeClr val="tx2"/>
+                </a:solidFill>
+                <a:latin typeface="+mn-lt"/>
+                <a:ea typeface="+mn-ea"/>
+                <a:cs typeface="+mn-cs"/>
+              </a:defRPr>
+            </a:lvl7pPr>
+            <a:lvl8pPr marL="2500000" indent="-228600" algn="l" defTabSz="457200" rtl="0" eaLnBrk="1" latinLnBrk="0" hangingPunct="1">
+              <a:spcBef>
+                <a:spcPct val="20000"/>
+              </a:spcBef>
+              <a:spcAft>
+                <a:spcPts val="600"/>
+              </a:spcAft>
+              <a:buClr>
+                <a:schemeClr val="accent2"/>
+              </a:buClr>
+              <a:buSzPct val="92000"/>
+              <a:buFont typeface="Wingdings 2" panose="05020102010507070707" pitchFamily="18" charset="2"/>
+              <a:buChar char=""/>
+              <a:defRPr sz="1200" kern="1200">
+                <a:solidFill>
+                  <a:schemeClr val="tx2"/>
+                </a:solidFill>
+                <a:latin typeface="+mn-lt"/>
+                <a:ea typeface="+mn-ea"/>
+                <a:cs typeface="+mn-cs"/>
+              </a:defRPr>
+            </a:lvl8pPr>
+            <a:lvl9pPr marL="2800000" indent="-228600" algn="l" defTabSz="457200" rtl="0" eaLnBrk="1" latinLnBrk="0" hangingPunct="1">
+              <a:spcBef>
+                <a:spcPct val="20000"/>
+              </a:spcBef>
+              <a:spcAft>
+                <a:spcPts val="600"/>
+              </a:spcAft>
+              <a:buClr>
+                <a:schemeClr val="accent2"/>
+              </a:buClr>
+              <a:buSzPct val="92000"/>
+              <a:buFont typeface="Wingdings 2" panose="05020102010507070707" pitchFamily="18" charset="2"/>
+              <a:buChar char=""/>
+              <a:defRPr sz="1200" kern="1200">
+                <a:solidFill>
+                  <a:schemeClr val="tx2"/>
+                </a:solidFill>
+                <a:latin typeface="+mn-lt"/>
+                <a:ea typeface="+mn-ea"/>
+                <a:cs typeface="+mn-cs"/>
+              </a:defRPr>
+            </a:lvl9pPr>
+          </a:lstStyle>
           <a:p>
             <a:r>
               <a:rPr lang="en-US" dirty="0" err="1">
@@ -6749,24 +7235,250 @@
       </p:sp>
       <p:sp>
         <p:nvSpPr>
-          <p:cNvPr id="5" name="Text Placeholder 4">
+          <p:cNvPr id="14" name="Text Placeholder 4">
             <a:extLst>
               <a:ext uri="{FF2B5EF4-FFF2-40B4-BE49-F238E27FC236}">
-                <a16:creationId xmlns:a16="http://schemas.microsoft.com/office/drawing/2014/main" id="{8E6D3D43-68AD-4A96-8F8B-9C21DFB9541A}"/>
+                <a16:creationId xmlns:a16="http://schemas.microsoft.com/office/drawing/2014/main" id="{ECFED565-E5D2-4725-BEA0-5AF5F57EA0A3}"/>
               </a:ext>
             </a:extLst>
           </p:cNvPr>
-          <p:cNvSpPr>
-            <a:spLocks noGrp="1"/>
-          </p:cNvSpPr>
-          <p:nvPr>
-            <p:ph type="body" sz="quarter" idx="3"/>
-          </p:nvPr>
-        </p:nvSpPr>
-        <p:spPr/>
+          <p:cNvSpPr txBox="1">
+            <a:spLocks/>
+          </p:cNvSpPr>
+          <p:nvPr/>
+        </p:nvSpPr>
+        <p:spPr>
+          <a:xfrm>
+            <a:off x="4419886" y="2250892"/>
+            <a:ext cx="3465576" cy="553373"/>
+          </a:xfrm>
+          <a:prstGeom prst="rect">
+            <a:avLst/>
+          </a:prstGeom>
+        </p:spPr>
         <p:txBody>
-          <a:bodyPr/>
-          <a:lstStyle/>
+          <a:bodyPr vert="horz" lIns="91440" tIns="45720" rIns="91440" bIns="45720" rtlCol="0" anchor="ctr">
+            <a:noAutofit/>
+          </a:bodyPr>
+          <a:lstStyle>
+            <a:lvl1pPr marL="0" marR="0" indent="0" algn="l" defTabSz="457200" rtl="0" eaLnBrk="1" fontAlgn="auto" latinLnBrk="0" hangingPunct="1">
+              <a:lnSpc>
+                <a:spcPct val="100000"/>
+              </a:lnSpc>
+              <a:spcBef>
+                <a:spcPct val="20000"/>
+              </a:spcBef>
+              <a:spcAft>
+                <a:spcPts val="600"/>
+              </a:spcAft>
+              <a:buClr>
+                <a:schemeClr val="accent1"/>
+              </a:buClr>
+              <a:buSzPct val="92000"/>
+              <a:buFont typeface="Wingdings 2" panose="05020102010507070707" pitchFamily="18" charset="2"/>
+              <a:buNone/>
+              <a:tabLst/>
+              <a:defRPr sz="2000" b="0" kern="1200">
+                <a:solidFill>
+                  <a:schemeClr val="tx1">
+                    <a:lumMod val="75000"/>
+                    <a:lumOff val="25000"/>
+                  </a:schemeClr>
+                </a:solidFill>
+                <a:latin typeface="+mn-lt"/>
+                <a:ea typeface="+mn-ea"/>
+                <a:cs typeface="+mn-cs"/>
+              </a:defRPr>
+            </a:lvl1pPr>
+            <a:lvl2pPr marL="457200" indent="0" algn="l" defTabSz="457200" rtl="0" eaLnBrk="1" latinLnBrk="0" hangingPunct="1">
+              <a:spcBef>
+                <a:spcPct val="20000"/>
+              </a:spcBef>
+              <a:spcAft>
+                <a:spcPts val="600"/>
+              </a:spcAft>
+              <a:buClr>
+                <a:schemeClr val="accent1"/>
+              </a:buClr>
+              <a:buSzPct val="92000"/>
+              <a:buFont typeface="Wingdings 2" panose="05020102010507070707" pitchFamily="18" charset="2"/>
+              <a:buNone/>
+              <a:defRPr sz="2000" b="1" kern="1200">
+                <a:solidFill>
+                  <a:schemeClr val="tx1">
+                    <a:lumMod val="75000"/>
+                    <a:lumOff val="25000"/>
+                  </a:schemeClr>
+                </a:solidFill>
+                <a:latin typeface="+mn-lt"/>
+                <a:ea typeface="+mn-ea"/>
+                <a:cs typeface="+mn-cs"/>
+              </a:defRPr>
+            </a:lvl2pPr>
+            <a:lvl3pPr marL="914400" indent="0" algn="l" defTabSz="457200" rtl="0" eaLnBrk="1" latinLnBrk="0" hangingPunct="1">
+              <a:spcBef>
+                <a:spcPct val="20000"/>
+              </a:spcBef>
+              <a:spcAft>
+                <a:spcPts val="600"/>
+              </a:spcAft>
+              <a:buClr>
+                <a:schemeClr val="accent1"/>
+              </a:buClr>
+              <a:buSzPct val="92000"/>
+              <a:buFont typeface="Wingdings 2" panose="05020102010507070707" pitchFamily="18" charset="2"/>
+              <a:buNone/>
+              <a:defRPr sz="1800" b="1" kern="1200">
+                <a:solidFill>
+                  <a:schemeClr val="tx1">
+                    <a:lumMod val="75000"/>
+                    <a:lumOff val="25000"/>
+                  </a:schemeClr>
+                </a:solidFill>
+                <a:latin typeface="+mn-lt"/>
+                <a:ea typeface="+mn-ea"/>
+                <a:cs typeface="+mn-cs"/>
+              </a:defRPr>
+            </a:lvl3pPr>
+            <a:lvl4pPr marL="1371600" indent="0" algn="l" defTabSz="457200" rtl="0" eaLnBrk="1" latinLnBrk="0" hangingPunct="1">
+              <a:spcBef>
+                <a:spcPct val="20000"/>
+              </a:spcBef>
+              <a:spcAft>
+                <a:spcPts val="600"/>
+              </a:spcAft>
+              <a:buClr>
+                <a:schemeClr val="accent1"/>
+              </a:buClr>
+              <a:buSzPct val="92000"/>
+              <a:buFont typeface="Wingdings 2" panose="05020102010507070707" pitchFamily="18" charset="2"/>
+              <a:buNone/>
+              <a:defRPr sz="1600" b="1" kern="1200">
+                <a:solidFill>
+                  <a:schemeClr val="tx1">
+                    <a:lumMod val="75000"/>
+                    <a:lumOff val="25000"/>
+                  </a:schemeClr>
+                </a:solidFill>
+                <a:latin typeface="+mn-lt"/>
+                <a:ea typeface="+mn-ea"/>
+                <a:cs typeface="+mn-cs"/>
+              </a:defRPr>
+            </a:lvl4pPr>
+            <a:lvl5pPr marL="1828800" indent="0" algn="l" defTabSz="457200" rtl="0" eaLnBrk="1" latinLnBrk="0" hangingPunct="1">
+              <a:spcBef>
+                <a:spcPct val="20000"/>
+              </a:spcBef>
+              <a:spcAft>
+                <a:spcPts val="600"/>
+              </a:spcAft>
+              <a:buClr>
+                <a:schemeClr val="accent1"/>
+              </a:buClr>
+              <a:buSzPct val="92000"/>
+              <a:buFont typeface="Wingdings 2" panose="05020102010507070707" pitchFamily="18" charset="2"/>
+              <a:buNone/>
+              <a:defRPr sz="1600" b="1" kern="1200">
+                <a:solidFill>
+                  <a:schemeClr val="tx1">
+                    <a:lumMod val="75000"/>
+                    <a:lumOff val="25000"/>
+                  </a:schemeClr>
+                </a:solidFill>
+                <a:latin typeface="+mn-lt"/>
+                <a:ea typeface="+mn-ea"/>
+                <a:cs typeface="+mn-cs"/>
+              </a:defRPr>
+            </a:lvl5pPr>
+            <a:lvl6pPr marL="2286000" indent="0" algn="l" defTabSz="457200" rtl="0" eaLnBrk="1" latinLnBrk="0" hangingPunct="1">
+              <a:spcBef>
+                <a:spcPct val="20000"/>
+              </a:spcBef>
+              <a:spcAft>
+                <a:spcPts val="600"/>
+              </a:spcAft>
+              <a:buClr>
+                <a:schemeClr val="accent2"/>
+              </a:buClr>
+              <a:buSzPct val="92000"/>
+              <a:buFont typeface="Wingdings 2" panose="05020102010507070707" pitchFamily="18" charset="2"/>
+              <a:buNone/>
+              <a:defRPr sz="1600" b="1" kern="1200">
+                <a:solidFill>
+                  <a:schemeClr val="tx2"/>
+                </a:solidFill>
+                <a:latin typeface="+mn-lt"/>
+                <a:ea typeface="+mn-ea"/>
+                <a:cs typeface="+mn-cs"/>
+              </a:defRPr>
+            </a:lvl6pPr>
+            <a:lvl7pPr marL="2743200" indent="0" algn="l" defTabSz="457200" rtl="0" eaLnBrk="1" latinLnBrk="0" hangingPunct="1">
+              <a:spcBef>
+                <a:spcPct val="20000"/>
+              </a:spcBef>
+              <a:spcAft>
+                <a:spcPts val="600"/>
+              </a:spcAft>
+              <a:buClr>
+                <a:schemeClr val="accent2"/>
+              </a:buClr>
+              <a:buSzPct val="92000"/>
+              <a:buFont typeface="Wingdings 2" panose="05020102010507070707" pitchFamily="18" charset="2"/>
+              <a:buNone/>
+              <a:defRPr sz="1600" b="1" kern="1200">
+                <a:solidFill>
+                  <a:schemeClr val="tx2"/>
+                </a:solidFill>
+                <a:latin typeface="+mn-lt"/>
+                <a:ea typeface="+mn-ea"/>
+                <a:cs typeface="+mn-cs"/>
+              </a:defRPr>
+            </a:lvl7pPr>
+            <a:lvl8pPr marL="3200400" indent="0" algn="l" defTabSz="457200" rtl="0" eaLnBrk="1" latinLnBrk="0" hangingPunct="1">
+              <a:spcBef>
+                <a:spcPct val="20000"/>
+              </a:spcBef>
+              <a:spcAft>
+                <a:spcPts val="600"/>
+              </a:spcAft>
+              <a:buClr>
+                <a:schemeClr val="accent2"/>
+              </a:buClr>
+              <a:buSzPct val="92000"/>
+              <a:buFont typeface="Wingdings 2" panose="05020102010507070707" pitchFamily="18" charset="2"/>
+              <a:buNone/>
+              <a:defRPr sz="1600" b="1" kern="1200">
+                <a:solidFill>
+                  <a:schemeClr val="tx2"/>
+                </a:solidFill>
+                <a:latin typeface="+mn-lt"/>
+                <a:ea typeface="+mn-ea"/>
+                <a:cs typeface="+mn-cs"/>
+              </a:defRPr>
+            </a:lvl8pPr>
+            <a:lvl9pPr marL="3657600" indent="0" algn="l" defTabSz="457200" rtl="0" eaLnBrk="1" latinLnBrk="0" hangingPunct="1">
+              <a:spcBef>
+                <a:spcPct val="20000"/>
+              </a:spcBef>
+              <a:spcAft>
+                <a:spcPts val="600"/>
+              </a:spcAft>
+              <a:buClr>
+                <a:schemeClr val="accent2"/>
+              </a:buClr>
+              <a:buSzPct val="92000"/>
+              <a:buFont typeface="Wingdings 2" panose="05020102010507070707" pitchFamily="18" charset="2"/>
+              <a:buNone/>
+              <a:defRPr sz="1600" b="1" kern="1200">
+                <a:solidFill>
+                  <a:schemeClr val="tx2"/>
+                </a:solidFill>
+                <a:latin typeface="+mn-lt"/>
+                <a:ea typeface="+mn-ea"/>
+                <a:cs typeface="+mn-cs"/>
+              </a:defRPr>
+            </a:lvl9pPr>
+          </a:lstStyle>
           <a:p>
             <a:r>
               <a:rPr lang="nl-BE" sz="2400" b="1" dirty="0">
@@ -6782,26 +7494,249 @@
       </p:sp>
       <p:sp>
         <p:nvSpPr>
-          <p:cNvPr id="6" name="Content Placeholder 5">
+          <p:cNvPr id="15" name="Content Placeholder 5">
             <a:extLst>
               <a:ext uri="{FF2B5EF4-FFF2-40B4-BE49-F238E27FC236}">
-                <a16:creationId xmlns:a16="http://schemas.microsoft.com/office/drawing/2014/main" id="{9955BA45-C3C9-4EEA-9632-FC61CAEBEFD7}"/>
+                <a16:creationId xmlns:a16="http://schemas.microsoft.com/office/drawing/2014/main" id="{9BE15BD3-0BA6-4524-BC6D-7727D180A459}"/>
               </a:ext>
             </a:extLst>
           </p:cNvPr>
-          <p:cNvSpPr>
-            <a:spLocks noGrp="1"/>
-          </p:cNvSpPr>
-          <p:nvPr>
-            <p:ph sz="quarter" idx="4"/>
-          </p:nvPr>
-        </p:nvSpPr>
-        <p:spPr/>
+          <p:cNvSpPr txBox="1">
+            <a:spLocks/>
+          </p:cNvSpPr>
+          <p:nvPr/>
+        </p:nvSpPr>
+        <p:spPr>
+          <a:xfrm>
+            <a:off x="4419884" y="2926052"/>
+            <a:ext cx="3465576" cy="2934999"/>
+          </a:xfrm>
+          <a:prstGeom prst="rect">
+            <a:avLst/>
+          </a:prstGeom>
+        </p:spPr>
         <p:txBody>
           <a:bodyPr vert="horz" lIns="91440" tIns="45720" rIns="91440" bIns="45720" rtlCol="0" anchor="t">
             <a:normAutofit/>
           </a:bodyPr>
-          <a:lstStyle/>
+          <a:lstStyle>
+            <a:lvl1pPr marL="306000" indent="-306000" algn="l" defTabSz="457200" rtl="0" eaLnBrk="1" latinLnBrk="0" hangingPunct="1">
+              <a:lnSpc>
+                <a:spcPct val="110000"/>
+              </a:lnSpc>
+              <a:spcBef>
+                <a:spcPct val="20000"/>
+              </a:spcBef>
+              <a:spcAft>
+                <a:spcPts val="600"/>
+              </a:spcAft>
+              <a:buClr>
+                <a:schemeClr val="accent1"/>
+              </a:buClr>
+              <a:buSzPct val="92000"/>
+              <a:buFont typeface="Wingdings 2" panose="05020102010507070707" pitchFamily="18" charset="2"/>
+              <a:buChar char=""/>
+              <a:defRPr sz="1700" kern="1200">
+                <a:solidFill>
+                  <a:schemeClr val="tx1">
+                    <a:lumMod val="75000"/>
+                    <a:lumOff val="25000"/>
+                  </a:schemeClr>
+                </a:solidFill>
+                <a:latin typeface="+mn-lt"/>
+                <a:ea typeface="+mn-ea"/>
+                <a:cs typeface="+mn-cs"/>
+              </a:defRPr>
+            </a:lvl1pPr>
+            <a:lvl2pPr marL="630000" indent="-306000" algn="l" defTabSz="457200" rtl="0" eaLnBrk="1" latinLnBrk="0" hangingPunct="1">
+              <a:spcBef>
+                <a:spcPct val="20000"/>
+              </a:spcBef>
+              <a:spcAft>
+                <a:spcPts val="600"/>
+              </a:spcAft>
+              <a:buClr>
+                <a:schemeClr val="accent1"/>
+              </a:buClr>
+              <a:buSzPct val="92000"/>
+              <a:buFont typeface="Wingdings 2" panose="05020102010507070707" pitchFamily="18" charset="2"/>
+              <a:buChar char=""/>
+              <a:defRPr sz="1400" kern="1200">
+                <a:solidFill>
+                  <a:schemeClr val="tx1">
+                    <a:lumMod val="75000"/>
+                    <a:lumOff val="25000"/>
+                  </a:schemeClr>
+                </a:solidFill>
+                <a:latin typeface="+mn-lt"/>
+                <a:ea typeface="+mn-ea"/>
+                <a:cs typeface="+mn-cs"/>
+              </a:defRPr>
+            </a:lvl2pPr>
+            <a:lvl3pPr marL="900000" indent="-270000" algn="l" defTabSz="457200" rtl="0" eaLnBrk="1" latinLnBrk="0" hangingPunct="1">
+              <a:spcBef>
+                <a:spcPct val="20000"/>
+              </a:spcBef>
+              <a:spcAft>
+                <a:spcPts val="600"/>
+              </a:spcAft>
+              <a:buClr>
+                <a:schemeClr val="accent1"/>
+              </a:buClr>
+              <a:buSzPct val="92000"/>
+              <a:buFont typeface="Wingdings 2" panose="05020102010507070707" pitchFamily="18" charset="2"/>
+              <a:buChar char=""/>
+              <a:defRPr sz="1300" kern="1200">
+                <a:solidFill>
+                  <a:schemeClr val="tx1">
+                    <a:lumMod val="75000"/>
+                    <a:lumOff val="25000"/>
+                  </a:schemeClr>
+                </a:solidFill>
+                <a:latin typeface="+mn-lt"/>
+                <a:ea typeface="+mn-ea"/>
+                <a:cs typeface="+mn-cs"/>
+              </a:defRPr>
+            </a:lvl3pPr>
+            <a:lvl4pPr marL="1242000" indent="-234000" algn="l" defTabSz="457200" rtl="0" eaLnBrk="1" latinLnBrk="0" hangingPunct="1">
+              <a:spcBef>
+                <a:spcPct val="20000"/>
+              </a:spcBef>
+              <a:spcAft>
+                <a:spcPts val="600"/>
+              </a:spcAft>
+              <a:buClr>
+                <a:schemeClr val="accent1"/>
+              </a:buClr>
+              <a:buSzPct val="92000"/>
+              <a:buFont typeface="Wingdings 2" panose="05020102010507070707" pitchFamily="18" charset="2"/>
+              <a:buChar char=""/>
+              <a:defRPr sz="1100" kern="1200">
+                <a:solidFill>
+                  <a:schemeClr val="tx1">
+                    <a:lumMod val="75000"/>
+                    <a:lumOff val="25000"/>
+                  </a:schemeClr>
+                </a:solidFill>
+                <a:latin typeface="+mn-lt"/>
+                <a:ea typeface="+mn-ea"/>
+                <a:cs typeface="+mn-cs"/>
+              </a:defRPr>
+            </a:lvl4pPr>
+            <a:lvl5pPr marL="1602000" indent="-234000" algn="l" defTabSz="457200" rtl="0" eaLnBrk="1" latinLnBrk="0" hangingPunct="1">
+              <a:spcBef>
+                <a:spcPct val="20000"/>
+              </a:spcBef>
+              <a:spcAft>
+                <a:spcPts val="600"/>
+              </a:spcAft>
+              <a:buClr>
+                <a:schemeClr val="accent1"/>
+              </a:buClr>
+              <a:buSzPct val="92000"/>
+              <a:buFont typeface="Wingdings 2" panose="05020102010507070707" pitchFamily="18" charset="2"/>
+              <a:buChar char=""/>
+              <a:defRPr sz="1100" kern="1200">
+                <a:solidFill>
+                  <a:schemeClr val="tx1">
+                    <a:lumMod val="75000"/>
+                    <a:lumOff val="25000"/>
+                  </a:schemeClr>
+                </a:solidFill>
+                <a:latin typeface="+mn-lt"/>
+                <a:ea typeface="+mn-ea"/>
+                <a:cs typeface="+mn-cs"/>
+              </a:defRPr>
+            </a:lvl5pPr>
+            <a:lvl6pPr marL="1900000" indent="-228600" algn="l" defTabSz="457200" rtl="0" eaLnBrk="1" latinLnBrk="0" hangingPunct="1">
+              <a:spcBef>
+                <a:spcPct val="20000"/>
+              </a:spcBef>
+              <a:spcAft>
+                <a:spcPts val="600"/>
+              </a:spcAft>
+              <a:buClr>
+                <a:schemeClr val="accent2"/>
+              </a:buClr>
+              <a:buSzPct val="92000"/>
+              <a:buFont typeface="Wingdings 2" panose="05020102010507070707" pitchFamily="18" charset="2"/>
+              <a:buChar char=""/>
+              <a:defRPr sz="1200" kern="1200">
+                <a:solidFill>
+                  <a:schemeClr val="tx2"/>
+                </a:solidFill>
+                <a:latin typeface="+mn-lt"/>
+                <a:ea typeface="+mn-ea"/>
+                <a:cs typeface="+mn-cs"/>
+              </a:defRPr>
+            </a:lvl6pPr>
+            <a:lvl7pPr marL="2200000" indent="-228600" algn="l" defTabSz="457200" rtl="0" eaLnBrk="1" latinLnBrk="0" hangingPunct="1">
+              <a:spcBef>
+                <a:spcPct val="20000"/>
+              </a:spcBef>
+              <a:spcAft>
+                <a:spcPts val="600"/>
+              </a:spcAft>
+              <a:buClr>
+                <a:schemeClr val="accent2"/>
+              </a:buClr>
+              <a:buSzPct val="92000"/>
+              <a:buFont typeface="Wingdings 2" panose="05020102010507070707" pitchFamily="18" charset="2"/>
+              <a:buChar char=""/>
+              <a:defRPr sz="1200" kern="1200">
+                <a:solidFill>
+                  <a:schemeClr val="tx2"/>
+                </a:solidFill>
+                <a:latin typeface="+mn-lt"/>
+                <a:ea typeface="+mn-ea"/>
+                <a:cs typeface="+mn-cs"/>
+              </a:defRPr>
+            </a:lvl7pPr>
+            <a:lvl8pPr marL="2500000" indent="-228600" algn="l" defTabSz="457200" rtl="0" eaLnBrk="1" latinLnBrk="0" hangingPunct="1">
+              <a:spcBef>
+                <a:spcPct val="20000"/>
+              </a:spcBef>
+              <a:spcAft>
+                <a:spcPts val="600"/>
+              </a:spcAft>
+              <a:buClr>
+                <a:schemeClr val="accent2"/>
+              </a:buClr>
+              <a:buSzPct val="92000"/>
+              <a:buFont typeface="Wingdings 2" panose="05020102010507070707" pitchFamily="18" charset="2"/>
+              <a:buChar char=""/>
+              <a:defRPr sz="1200" kern="1200">
+                <a:solidFill>
+                  <a:schemeClr val="tx2"/>
+                </a:solidFill>
+                <a:latin typeface="+mn-lt"/>
+                <a:ea typeface="+mn-ea"/>
+                <a:cs typeface="+mn-cs"/>
+              </a:defRPr>
+            </a:lvl8pPr>
+            <a:lvl9pPr marL="2800000" indent="-228600" algn="l" defTabSz="457200" rtl="0" eaLnBrk="1" latinLnBrk="0" hangingPunct="1">
+              <a:spcBef>
+                <a:spcPct val="20000"/>
+              </a:spcBef>
+              <a:spcAft>
+                <a:spcPts val="600"/>
+              </a:spcAft>
+              <a:buClr>
+                <a:schemeClr val="accent2"/>
+              </a:buClr>
+              <a:buSzPct val="92000"/>
+              <a:buFont typeface="Wingdings 2" panose="05020102010507070707" pitchFamily="18" charset="2"/>
+              <a:buChar char=""/>
+              <a:defRPr sz="1200" kern="1200">
+                <a:solidFill>
+                  <a:schemeClr val="tx2"/>
+                </a:solidFill>
+                <a:latin typeface="+mn-lt"/>
+                <a:ea typeface="+mn-ea"/>
+                <a:cs typeface="+mn-cs"/>
+              </a:defRPr>
+            </a:lvl9pPr>
+          </a:lstStyle>
           <a:p>
             <a:r>
               <a:rPr lang="en-US" dirty="0" err="1">
@@ -6871,6 +7806,93 @@
             <a:endParaRPr lang="en-US" dirty="0">
               <a:latin typeface="Montserrat" panose="00000500000000000000" pitchFamily="2" charset="0"/>
             </a:endParaRPr>
+          </a:p>
+        </p:txBody>
+      </p:sp>
+      <p:pic>
+        <p:nvPicPr>
+          <p:cNvPr id="16" name="Picture 15">
+            <a:extLst>
+              <a:ext uri="{FF2B5EF4-FFF2-40B4-BE49-F238E27FC236}">
+                <a16:creationId xmlns:a16="http://schemas.microsoft.com/office/drawing/2014/main" id="{128DC247-F85D-42AE-873E-12139FE3C37C}"/>
+              </a:ext>
+            </a:extLst>
+          </p:cNvPr>
+          <p:cNvPicPr>
+            <a:picLocks noChangeAspect="1"/>
+          </p:cNvPicPr>
+          <p:nvPr/>
+        </p:nvPicPr>
+        <p:blipFill>
+          <a:blip r:embed="rId3">
+            <a:extLst>
+              <a:ext uri="{28A0092B-C50C-407E-A947-70E740481C1C}">
+                <a14:useLocalDpi xmlns:a14="http://schemas.microsoft.com/office/drawing/2010/main" val="0"/>
+              </a:ext>
+            </a:extLst>
+          </a:blip>
+          <a:srcRect/>
+          <a:stretch/>
+        </p:blipFill>
+        <p:spPr>
+          <a:xfrm>
+            <a:off x="10017635" y="1944056"/>
+            <a:ext cx="1982029" cy="4184285"/>
+          </a:xfrm>
+          <a:prstGeom prst="rect">
+            <a:avLst/>
+          </a:prstGeom>
+        </p:spPr>
+      </p:pic>
+      <p:sp>
+        <p:nvSpPr>
+          <p:cNvPr id="26" name="Rectangle 25">
+            <a:extLst>
+              <a:ext uri="{FF2B5EF4-FFF2-40B4-BE49-F238E27FC236}">
+                <a16:creationId xmlns:a16="http://schemas.microsoft.com/office/drawing/2014/main" id="{4A69023F-D0E0-4973-97F6-1020D0284E6B}"/>
+              </a:ext>
+            </a:extLst>
+          </p:cNvPr>
+          <p:cNvSpPr/>
+          <p:nvPr/>
+        </p:nvSpPr>
+        <p:spPr>
+          <a:xfrm>
+            <a:off x="8345213" y="3489434"/>
+            <a:ext cx="1145627" cy="2638907"/>
+          </a:xfrm>
+          <a:prstGeom prst="rect">
+            <a:avLst/>
+          </a:prstGeom>
+          <a:solidFill>
+            <a:schemeClr val="bg1"/>
+          </a:solidFill>
+          <a:ln>
+            <a:noFill/>
+          </a:ln>
+        </p:spPr>
+        <p:style>
+          <a:lnRef idx="2">
+            <a:schemeClr val="accent1">
+              <a:shade val="50000"/>
+            </a:schemeClr>
+          </a:lnRef>
+          <a:fillRef idx="1">
+            <a:schemeClr val="accent1"/>
+          </a:fillRef>
+          <a:effectRef idx="0">
+            <a:schemeClr val="accent1"/>
+          </a:effectRef>
+          <a:fontRef idx="minor">
+            <a:schemeClr val="lt1"/>
+          </a:fontRef>
+        </p:style>
+        <p:txBody>
+          <a:bodyPr rtlCol="0" anchor="ctr"/>
+          <a:lstStyle/>
+          <a:p>
+            <a:pPr algn="ctr"/>
+            <a:endParaRPr lang="en-US"/>
           </a:p>
         </p:txBody>
       </p:sp>
@@ -6974,7 +7996,12 @@
             <p:ph type="body" idx="1"/>
           </p:nvPr>
         </p:nvSpPr>
-        <p:spPr/>
+        <p:spPr>
+          <a:xfrm>
+            <a:off x="581191" y="2250891"/>
+            <a:ext cx="3465576" cy="557784"/>
+          </a:xfrm>
+        </p:spPr>
         <p:txBody>
           <a:bodyPr/>
           <a:lstStyle/>
@@ -7007,7 +8034,12 @@
             <p:ph sz="half" idx="2"/>
           </p:nvPr>
         </p:nvSpPr>
-        <p:spPr/>
+        <p:spPr>
+          <a:xfrm>
+            <a:off x="581194" y="2926052"/>
+            <a:ext cx="3465576" cy="2934999"/>
+          </a:xfrm>
+        </p:spPr>
         <p:txBody>
           <a:bodyPr vert="horz" lIns="91440" tIns="45720" rIns="91440" bIns="45720" rtlCol="0" anchor="t">
             <a:normAutofit/>
@@ -7096,7 +8128,12 @@
             <p:ph type="body" sz="quarter" idx="3"/>
           </p:nvPr>
         </p:nvSpPr>
-        <p:spPr/>
+        <p:spPr>
+          <a:xfrm>
+            <a:off x="4419886" y="2250892"/>
+            <a:ext cx="3465576" cy="553373"/>
+          </a:xfrm>
+        </p:spPr>
         <p:txBody>
           <a:bodyPr/>
           <a:lstStyle/>
@@ -7129,7 +8166,12 @@
             <p:ph sz="quarter" idx="4"/>
           </p:nvPr>
         </p:nvSpPr>
-        <p:spPr/>
+        <p:spPr>
+          <a:xfrm>
+            <a:off x="4419884" y="2926052"/>
+            <a:ext cx="3465576" cy="2934999"/>
+          </a:xfrm>
+        </p:spPr>
         <p:txBody>
           <a:bodyPr vert="horz" lIns="91440" tIns="45720" rIns="91440" bIns="45720" rtlCol="0" anchor="t">
             <a:normAutofit/>
@@ -7202,6 +8244,76 @@
           </a:p>
         </p:txBody>
       </p:sp>
+      <p:pic>
+        <p:nvPicPr>
+          <p:cNvPr id="7" name="Picture 6">
+            <a:extLst>
+              <a:ext uri="{FF2B5EF4-FFF2-40B4-BE49-F238E27FC236}">
+                <a16:creationId xmlns:a16="http://schemas.microsoft.com/office/drawing/2014/main" id="{01CDD50B-F4D3-4A27-A0D0-F017AD98E953}"/>
+              </a:ext>
+            </a:extLst>
+          </p:cNvPr>
+          <p:cNvPicPr>
+            <a:picLocks noChangeAspect="1"/>
+          </p:cNvPicPr>
+          <p:nvPr/>
+        </p:nvPicPr>
+        <p:blipFill>
+          <a:blip r:embed="rId2">
+            <a:extLst>
+              <a:ext uri="{28A0092B-C50C-407E-A947-70E740481C1C}">
+                <a14:useLocalDpi xmlns:a14="http://schemas.microsoft.com/office/drawing/2010/main" val="0"/>
+              </a:ext>
+            </a:extLst>
+          </a:blip>
+          <a:srcRect/>
+          <a:stretch/>
+        </p:blipFill>
+        <p:spPr>
+          <a:xfrm>
+            <a:off x="10017635" y="1944056"/>
+            <a:ext cx="1982030" cy="4184285"/>
+          </a:xfrm>
+          <a:prstGeom prst="rect">
+            <a:avLst/>
+          </a:prstGeom>
+        </p:spPr>
+      </p:pic>
+      <p:pic>
+        <p:nvPicPr>
+          <p:cNvPr id="8" name="Picture 7">
+            <a:extLst>
+              <a:ext uri="{FF2B5EF4-FFF2-40B4-BE49-F238E27FC236}">
+                <a16:creationId xmlns:a16="http://schemas.microsoft.com/office/drawing/2014/main" id="{AAFA01A5-E4BC-4D1A-BFD3-B5E7D84339BD}"/>
+              </a:ext>
+            </a:extLst>
+          </p:cNvPr>
+          <p:cNvPicPr>
+            <a:picLocks noChangeAspect="1"/>
+          </p:cNvPicPr>
+          <p:nvPr/>
+        </p:nvPicPr>
+        <p:blipFill>
+          <a:blip r:embed="rId3">
+            <a:extLst>
+              <a:ext uri="{28A0092B-C50C-407E-A947-70E740481C1C}">
+                <a14:useLocalDpi xmlns:a14="http://schemas.microsoft.com/office/drawing/2010/main" val="0"/>
+              </a:ext>
+            </a:extLst>
+          </a:blip>
+          <a:srcRect/>
+          <a:stretch/>
+        </p:blipFill>
+        <p:spPr>
+          <a:xfrm>
+            <a:off x="8035605" y="1944056"/>
+            <a:ext cx="1982030" cy="4184285"/>
+          </a:xfrm>
+          <a:prstGeom prst="rect">
+            <a:avLst/>
+          </a:prstGeom>
+        </p:spPr>
+      </p:pic>
     </p:spTree>
     <p:extLst>
       <p:ext uri="{BB962C8B-B14F-4D97-AF65-F5344CB8AC3E}">
@@ -7259,8 +8371,6 @@
                   <a:schemeClr val="accent1"/>
                 </a:solidFill>
                 <a:latin typeface="Montserrat" panose="00000500000000000000" pitchFamily="2" charset="0"/>
-                <a:ea typeface="+mn-ea"/>
-                <a:cs typeface="+mn-cs"/>
               </a:rPr>
               <a:t>tomtomGo</a:t>
             </a:r>
@@ -7291,7 +8401,12 @@
             <p:ph type="body" idx="1"/>
           </p:nvPr>
         </p:nvSpPr>
-        <p:spPr/>
+        <p:spPr>
+          <a:xfrm>
+            <a:off x="581191" y="2250891"/>
+            <a:ext cx="3465576" cy="557784"/>
+          </a:xfrm>
+        </p:spPr>
         <p:txBody>
           <a:bodyPr/>
           <a:lstStyle/>
@@ -7324,7 +8439,12 @@
             <p:ph sz="half" idx="2"/>
           </p:nvPr>
         </p:nvSpPr>
-        <p:spPr/>
+        <p:spPr>
+          <a:xfrm>
+            <a:off x="581194" y="2926052"/>
+            <a:ext cx="3465576" cy="2934999"/>
+          </a:xfrm>
+        </p:spPr>
         <p:txBody>
           <a:bodyPr vert="horz" lIns="91440" tIns="45720" rIns="91440" bIns="45720" rtlCol="0" anchor="t">
             <a:normAutofit/>
@@ -7380,7 +8500,12 @@
             <p:ph type="body" sz="quarter" idx="3"/>
           </p:nvPr>
         </p:nvSpPr>
-        <p:spPr/>
+        <p:spPr>
+          <a:xfrm>
+            <a:off x="4419886" y="2250892"/>
+            <a:ext cx="3465576" cy="553373"/>
+          </a:xfrm>
+        </p:spPr>
         <p:txBody>
           <a:bodyPr/>
           <a:lstStyle/>
@@ -7413,7 +8538,12 @@
             <p:ph sz="quarter" idx="4"/>
           </p:nvPr>
         </p:nvSpPr>
-        <p:spPr/>
+        <p:spPr>
+          <a:xfrm>
+            <a:off x="4419884" y="2926052"/>
+            <a:ext cx="3465576" cy="2934999"/>
+          </a:xfrm>
+        </p:spPr>
         <p:txBody>
           <a:bodyPr vert="horz" lIns="91440" tIns="45720" rIns="91440" bIns="45720" rtlCol="0" anchor="t">
             <a:normAutofit/>
@@ -7445,10 +8575,80 @@
           </a:p>
         </p:txBody>
       </p:sp>
+      <p:pic>
+        <p:nvPicPr>
+          <p:cNvPr id="7" name="Picture 6">
+            <a:extLst>
+              <a:ext uri="{FF2B5EF4-FFF2-40B4-BE49-F238E27FC236}">
+                <a16:creationId xmlns:a16="http://schemas.microsoft.com/office/drawing/2014/main" id="{01CDD50B-F4D3-4A27-A0D0-F017AD98E953}"/>
+              </a:ext>
+            </a:extLst>
+          </p:cNvPr>
+          <p:cNvPicPr>
+            <a:picLocks noChangeAspect="1"/>
+          </p:cNvPicPr>
+          <p:nvPr/>
+        </p:nvPicPr>
+        <p:blipFill>
+          <a:blip r:embed="rId2">
+            <a:extLst>
+              <a:ext uri="{28A0092B-C50C-407E-A947-70E740481C1C}">
+                <a14:useLocalDpi xmlns:a14="http://schemas.microsoft.com/office/drawing/2010/main" val="0"/>
+              </a:ext>
+            </a:extLst>
+          </a:blip>
+          <a:srcRect/>
+          <a:stretch/>
+        </p:blipFill>
+        <p:spPr>
+          <a:xfrm>
+            <a:off x="10017635" y="1944056"/>
+            <a:ext cx="1982029" cy="4184285"/>
+          </a:xfrm>
+          <a:prstGeom prst="rect">
+            <a:avLst/>
+          </a:prstGeom>
+        </p:spPr>
+      </p:pic>
+      <p:pic>
+        <p:nvPicPr>
+          <p:cNvPr id="8" name="Picture 7">
+            <a:extLst>
+              <a:ext uri="{FF2B5EF4-FFF2-40B4-BE49-F238E27FC236}">
+                <a16:creationId xmlns:a16="http://schemas.microsoft.com/office/drawing/2014/main" id="{AAFA01A5-E4BC-4D1A-BFD3-B5E7D84339BD}"/>
+              </a:ext>
+            </a:extLst>
+          </p:cNvPr>
+          <p:cNvPicPr>
+            <a:picLocks noChangeAspect="1"/>
+          </p:cNvPicPr>
+          <p:nvPr/>
+        </p:nvPicPr>
+        <p:blipFill>
+          <a:blip r:embed="rId3">
+            <a:extLst>
+              <a:ext uri="{28A0092B-C50C-407E-A947-70E740481C1C}">
+                <a14:useLocalDpi xmlns:a14="http://schemas.microsoft.com/office/drawing/2010/main" val="0"/>
+              </a:ext>
+            </a:extLst>
+          </a:blip>
+          <a:srcRect/>
+          <a:stretch/>
+        </p:blipFill>
+        <p:spPr>
+          <a:xfrm>
+            <a:off x="8035605" y="1944056"/>
+            <a:ext cx="1982029" cy="4184285"/>
+          </a:xfrm>
+          <a:prstGeom prst="rect">
+            <a:avLst/>
+          </a:prstGeom>
+        </p:spPr>
+      </p:pic>
     </p:spTree>
     <p:extLst>
       <p:ext uri="{BB962C8B-B14F-4D97-AF65-F5344CB8AC3E}">
-        <p14:creationId xmlns:p14="http://schemas.microsoft.com/office/powerpoint/2010/main" val="914348471"/>
+        <p14:creationId xmlns:p14="http://schemas.microsoft.com/office/powerpoint/2010/main" val="1449087115"/>
       </p:ext>
     </p:extLst>
   </p:cSld>
@@ -7502,8 +8702,6 @@
                   <a:schemeClr val="accent1"/>
                 </a:solidFill>
                 <a:latin typeface="Montserrat" panose="00000500000000000000" pitchFamily="2" charset="0"/>
-                <a:ea typeface="+mn-ea"/>
-                <a:cs typeface="+mn-cs"/>
               </a:rPr>
               <a:t>Here </a:t>
             </a:r>
@@ -7513,8 +8711,6 @@
                   <a:schemeClr val="accent1"/>
                 </a:solidFill>
                 <a:latin typeface="Montserrat" panose="00000500000000000000" pitchFamily="2" charset="0"/>
-                <a:ea typeface="+mn-ea"/>
-                <a:cs typeface="+mn-cs"/>
               </a:rPr>
               <a:t>wego</a:t>
             </a:r>
@@ -7545,7 +8741,12 @@
             <p:ph type="body" idx="1"/>
           </p:nvPr>
         </p:nvSpPr>
-        <p:spPr/>
+        <p:spPr>
+          <a:xfrm>
+            <a:off x="581191" y="2250891"/>
+            <a:ext cx="3465576" cy="557784"/>
+          </a:xfrm>
+        </p:spPr>
         <p:txBody>
           <a:bodyPr/>
           <a:lstStyle/>
@@ -7578,7 +8779,12 @@
             <p:ph sz="half" idx="2"/>
           </p:nvPr>
         </p:nvSpPr>
-        <p:spPr/>
+        <p:spPr>
+          <a:xfrm>
+            <a:off x="581194" y="2926052"/>
+            <a:ext cx="3465576" cy="2934999"/>
+          </a:xfrm>
+        </p:spPr>
         <p:txBody>
           <a:bodyPr vert="horz" lIns="91440" tIns="45720" rIns="91440" bIns="45720" rtlCol="0" anchor="t">
             <a:normAutofit/>
@@ -7643,7 +8849,12 @@
             <p:ph type="body" sz="quarter" idx="3"/>
           </p:nvPr>
         </p:nvSpPr>
-        <p:spPr/>
+        <p:spPr>
+          <a:xfrm>
+            <a:off x="4419886" y="2250892"/>
+            <a:ext cx="3465576" cy="553373"/>
+          </a:xfrm>
+        </p:spPr>
         <p:txBody>
           <a:bodyPr/>
           <a:lstStyle/>
@@ -7676,7 +8887,12 @@
             <p:ph sz="quarter" idx="4"/>
           </p:nvPr>
         </p:nvSpPr>
-        <p:spPr/>
+        <p:spPr>
+          <a:xfrm>
+            <a:off x="4419884" y="2926052"/>
+            <a:ext cx="3465576" cy="2934999"/>
+          </a:xfrm>
+        </p:spPr>
         <p:txBody>
           <a:bodyPr vert="horz" lIns="91440" tIns="45720" rIns="91440" bIns="45720" rtlCol="0" anchor="t">
             <a:normAutofit/>
@@ -7700,10 +8916,80 @@
           </a:p>
         </p:txBody>
       </p:sp>
+      <p:pic>
+        <p:nvPicPr>
+          <p:cNvPr id="7" name="Picture 6">
+            <a:extLst>
+              <a:ext uri="{FF2B5EF4-FFF2-40B4-BE49-F238E27FC236}">
+                <a16:creationId xmlns:a16="http://schemas.microsoft.com/office/drawing/2014/main" id="{01CDD50B-F4D3-4A27-A0D0-F017AD98E953}"/>
+              </a:ext>
+            </a:extLst>
+          </p:cNvPr>
+          <p:cNvPicPr>
+            <a:picLocks noChangeAspect="1"/>
+          </p:cNvPicPr>
+          <p:nvPr/>
+        </p:nvPicPr>
+        <p:blipFill>
+          <a:blip r:embed="rId2">
+            <a:extLst>
+              <a:ext uri="{28A0092B-C50C-407E-A947-70E740481C1C}">
+                <a14:useLocalDpi xmlns:a14="http://schemas.microsoft.com/office/drawing/2010/main" val="0"/>
+              </a:ext>
+            </a:extLst>
+          </a:blip>
+          <a:srcRect/>
+          <a:stretch/>
+        </p:blipFill>
+        <p:spPr>
+          <a:xfrm>
+            <a:off x="10017635" y="1944056"/>
+            <a:ext cx="1982029" cy="4184285"/>
+          </a:xfrm>
+          <a:prstGeom prst="rect">
+            <a:avLst/>
+          </a:prstGeom>
+        </p:spPr>
+      </p:pic>
+      <p:pic>
+        <p:nvPicPr>
+          <p:cNvPr id="8" name="Picture 7">
+            <a:extLst>
+              <a:ext uri="{FF2B5EF4-FFF2-40B4-BE49-F238E27FC236}">
+                <a16:creationId xmlns:a16="http://schemas.microsoft.com/office/drawing/2014/main" id="{AAFA01A5-E4BC-4D1A-BFD3-B5E7D84339BD}"/>
+              </a:ext>
+            </a:extLst>
+          </p:cNvPr>
+          <p:cNvPicPr>
+            <a:picLocks noChangeAspect="1"/>
+          </p:cNvPicPr>
+          <p:nvPr/>
+        </p:nvPicPr>
+        <p:blipFill>
+          <a:blip r:embed="rId3">
+            <a:extLst>
+              <a:ext uri="{28A0092B-C50C-407E-A947-70E740481C1C}">
+                <a14:useLocalDpi xmlns:a14="http://schemas.microsoft.com/office/drawing/2010/main" val="0"/>
+              </a:ext>
+            </a:extLst>
+          </a:blip>
+          <a:srcRect/>
+          <a:stretch/>
+        </p:blipFill>
+        <p:spPr>
+          <a:xfrm>
+            <a:off x="8035605" y="1944056"/>
+            <a:ext cx="1982029" cy="4184285"/>
+          </a:xfrm>
+          <a:prstGeom prst="rect">
+            <a:avLst/>
+          </a:prstGeom>
+        </p:spPr>
+      </p:pic>
     </p:spTree>
     <p:extLst>
       <p:ext uri="{BB962C8B-B14F-4D97-AF65-F5344CB8AC3E}">
-        <p14:creationId xmlns:p14="http://schemas.microsoft.com/office/powerpoint/2010/main" val="2111543677"/>
+        <p14:creationId xmlns:p14="http://schemas.microsoft.com/office/powerpoint/2010/main" val="2122063856"/>
       </p:ext>
     </p:extLst>
   </p:cSld>
